--- a/results/Titanic EMADE GP Team 5 .pptx
+++ b/results/Titanic EMADE GP Team 5 .pptx
@@ -4244,27 +4244,6 @@
             </a:r>
           </a:p>
           <a:p>
-            <a:pPr marL="800100" lvl="1" indent="-342900" algn="l">
-              <a:buFontTx/>
-              <a:buChar char="-"/>
-            </a:pPr>
-            <a:r>
-              <a:rPr lang="en-US" sz="1200" b="1" dirty="0"/>
-              <a:t>Generation:</a:t>
-            </a:r>
-          </a:p>
-          <a:p>
-            <a:pPr marL="1257300" lvl="2" indent="-342900" algn="l">
-              <a:buFontTx/>
-              <a:buChar char="-"/>
-            </a:pPr>
-            <a:r>
-              <a:rPr lang="en-US" sz="1200" dirty="0"/>
-              <a:t>37 </a:t>
-            </a:r>
-            <a:endParaRPr lang="en-US" sz="1400" dirty="0"/>
-          </a:p>
-          <a:p>
             <a:pPr marL="342900" indent="-342900" algn="l">
               <a:buFontTx/>
               <a:buChar char="-"/>
@@ -4489,8 +4468,8 @@
         </p:nvSpPr>
         <p:spPr bwMode="auto">
           <a:xfrm>
-            <a:off x="384174" y="2039436"/>
-            <a:ext cx="3037756" cy="1661993"/>
+            <a:off x="384174" y="1485440"/>
+            <a:ext cx="3037756" cy="2769989"/>
           </a:xfrm>
           <a:prstGeom prst="rect">
             <a:avLst/>
@@ -4532,6 +4511,137 @@
             <a:spAutoFit/>
           </a:bodyPr>
           <a:lstStyle/>
+          <a:p>
+            <a:pPr marL="0" marR="0" lvl="0" indent="0" algn="l" defTabSz="914400" rtl="0" eaLnBrk="0" fontAlgn="base" latinLnBrk="0" hangingPunct="0">
+              <a:lnSpc>
+                <a:spcPct val="100000"/>
+              </a:lnSpc>
+              <a:spcBef>
+                <a:spcPct val="0"/>
+              </a:spcBef>
+              <a:spcAft>
+                <a:spcPct val="0"/>
+              </a:spcAft>
+              <a:buClrTx/>
+              <a:buSzTx/>
+              <a:buFontTx/>
+              <a:buNone/>
+              <a:tabLst/>
+            </a:pPr>
+            <a:r>
+              <a:rPr kumimoji="0" lang="en-US" altLang="en-US" sz="1800" b="0" i="0" u="none" strike="noStrike" cap="none" normalizeH="0" baseline="0" dirty="0">
+                <a:ln>
+                  <a:noFill/>
+                </a:ln>
+                <a:solidFill>
+                  <a:srgbClr val="000000"/>
+                </a:solidFill>
+                <a:effectLst/>
+                <a:latin typeface="Arial Unicode MS"/>
+                <a:ea typeface="Courier New" panose="02070309020205020404" pitchFamily="49" charset="0"/>
+              </a:rPr>
+              <a:t>EMADE </a:t>
+            </a:r>
+          </a:p>
+          <a:p>
+            <a:pPr marL="0" marR="0" lvl="0" indent="0" algn="l" defTabSz="914400" rtl="0" eaLnBrk="0" fontAlgn="base" latinLnBrk="0" hangingPunct="0">
+              <a:lnSpc>
+                <a:spcPct val="100000"/>
+              </a:lnSpc>
+              <a:spcBef>
+                <a:spcPct val="0"/>
+              </a:spcBef>
+              <a:spcAft>
+                <a:spcPct val="0"/>
+              </a:spcAft>
+              <a:buClrTx/>
+              <a:buSzTx/>
+              <a:buFontTx/>
+              <a:buNone/>
+              <a:tabLst/>
+            </a:pPr>
+            <a:r>
+              <a:rPr lang="en-US" altLang="en-US" sz="1800" dirty="0">
+                <a:solidFill>
+                  <a:srgbClr val="000000"/>
+                </a:solidFill>
+                <a:latin typeface="Arial Unicode MS"/>
+                <a:ea typeface="Courier New" panose="02070309020205020404" pitchFamily="49" charset="0"/>
+              </a:rPr>
+              <a:t>- </a:t>
+            </a:r>
+            <a:r>
+              <a:rPr kumimoji="0" lang="en-US" altLang="en-US" sz="1800" b="0" i="0" u="none" strike="noStrike" cap="none" normalizeH="0" baseline="0" dirty="0">
+                <a:ln>
+                  <a:noFill/>
+                </a:ln>
+                <a:solidFill>
+                  <a:srgbClr val="000000"/>
+                </a:solidFill>
+                <a:effectLst/>
+                <a:latin typeface="Arial Unicode MS"/>
+                <a:ea typeface="Courier New" panose="02070309020205020404" pitchFamily="49" charset="0"/>
+              </a:rPr>
+              <a:t>Time take: 4 hours</a:t>
+            </a:r>
+          </a:p>
+          <a:p>
+            <a:pPr marL="0" marR="0" lvl="0" indent="0" algn="l" defTabSz="914400" rtl="0" eaLnBrk="0" fontAlgn="base" latinLnBrk="0" hangingPunct="0">
+              <a:lnSpc>
+                <a:spcPct val="100000"/>
+              </a:lnSpc>
+              <a:spcBef>
+                <a:spcPct val="0"/>
+              </a:spcBef>
+              <a:spcAft>
+                <a:spcPct val="0"/>
+              </a:spcAft>
+              <a:buClrTx/>
+              <a:buSzTx/>
+              <a:buFontTx/>
+              <a:buNone/>
+              <a:tabLst/>
+            </a:pPr>
+            <a:r>
+              <a:rPr lang="en-US" altLang="en-US" sz="1800" dirty="0">
+                <a:solidFill>
+                  <a:srgbClr val="000000"/>
+                </a:solidFill>
+                <a:latin typeface="Arial Unicode MS"/>
+                <a:ea typeface="Courier New" panose="02070309020205020404" pitchFamily="49" charset="0"/>
+              </a:rPr>
+              <a:t>- Generation: 37</a:t>
+            </a:r>
+          </a:p>
+          <a:p>
+            <a:pPr marL="0" marR="0" lvl="0" indent="0" algn="l" defTabSz="914400" rtl="0" eaLnBrk="0" fontAlgn="base" latinLnBrk="0" hangingPunct="0">
+              <a:lnSpc>
+                <a:spcPct val="100000"/>
+              </a:lnSpc>
+              <a:spcBef>
+                <a:spcPct val="0"/>
+              </a:spcBef>
+              <a:spcAft>
+                <a:spcPct val="0"/>
+              </a:spcAft>
+              <a:buClrTx/>
+              <a:buSzTx/>
+              <a:buFontTx/>
+              <a:buNone/>
+              <a:tabLst/>
+            </a:pPr>
+            <a:endParaRPr kumimoji="0" lang="en-US" altLang="en-US" sz="1800" b="0" i="0" u="none" strike="noStrike" cap="none" normalizeH="0" baseline="0" dirty="0">
+              <a:ln>
+                <a:noFill/>
+              </a:ln>
+              <a:solidFill>
+                <a:srgbClr val="000000"/>
+              </a:solidFill>
+              <a:effectLst/>
+              <a:latin typeface="Arial Unicode MS"/>
+              <a:ea typeface="Courier New" panose="02070309020205020404" pitchFamily="49" charset="0"/>
+            </a:endParaRPr>
+          </a:p>
           <a:p>
             <a:pPr marL="0" marR="0" lvl="0" indent="0" algn="l" defTabSz="914400" rtl="0" eaLnBrk="0" fontAlgn="base" latinLnBrk="0" hangingPunct="0">
               <a:lnSpc>

--- a/results/Titanic EMADE GP Team 5 .pptx
+++ b/results/Titanic EMADE GP Team 5 .pptx
@@ -3970,7 +3970,6 @@
           </a:bodyPr>
           <a:lstStyle/>
           <a:p>
-            <a:pPr algn="l"/>
             <a:r>
               <a:rPr lang="en-US" sz="4400" dirty="0"/>
               <a:t>Complete Algorithm</a:t>
@@ -4016,10 +4015,23 @@
             </a:r>
           </a:p>
           <a:p>
-            <a:pPr lvl="1" algn="l"/>
+            <a:pPr marL="628650" lvl="1" indent="-171450" algn="l">
+              <a:buFontTx/>
+              <a:buChar char="-"/>
+            </a:pPr>
             <a:r>
               <a:rPr lang="en-US" sz="1200" b="1" dirty="0"/>
-              <a:t>-      Same dataset as previous</a:t>
+              <a:t>Dataset (modified)</a:t>
+            </a:r>
+          </a:p>
+          <a:p>
+            <a:pPr marL="1085850" lvl="2" indent="-171450" algn="l">
+              <a:buFontTx/>
+              <a:buChar char="-"/>
+            </a:pPr>
+            <a:r>
+              <a:rPr lang="en-US" sz="1200" dirty="0"/>
+              <a:t>Same as previous</a:t>
             </a:r>
           </a:p>
           <a:p>
@@ -4100,15 +4112,7 @@
             </a:r>
             <a:r>
               <a:rPr lang="en-US" sz="1200" dirty="0"/>
-              <a:t>, random forest, </a:t>
-            </a:r>
-            <a:r>
-              <a:rPr lang="en-US" sz="1200" dirty="0" err="1"/>
-              <a:t>svm</a:t>
-            </a:r>
-            <a:r>
-              <a:rPr lang="en-US" sz="1200" dirty="0"/>
-              <a:t>, ….etc. </a:t>
+              <a:t>, random forest, ….etc. </a:t>
             </a:r>
           </a:p>
           <a:p>
@@ -4332,12 +4336,192 @@
           <a:chExt cx="0" cy="0"/>
         </a:xfrm>
       </p:grpSpPr>
+      <p:sp useBgFill="1">
+        <p:nvSpPr>
+          <p:cNvPr id="25" name="Rectangle 24">
+            <a:extLst>
+              <a:ext uri="{FF2B5EF4-FFF2-40B4-BE49-F238E27FC236}">
+                <a16:creationId xmlns:a16="http://schemas.microsoft.com/office/drawing/2014/main" id="{92468898-5A6E-4D55-85EC-308E785EE06C}"/>
+              </a:ext>
+              <a:ext uri="{C183D7F6-B498-43B3-948B-1728B52AA6E4}">
+                <adec:decorative xmlns:adec="http://schemas.microsoft.com/office/drawing/2017/decorative" val="1"/>
+              </a:ext>
+            </a:extLst>
+          </p:cNvPr>
+          <p:cNvSpPr>
+            <a:spLocks noGrp="1" noRot="1" noChangeAspect="1" noMove="1" noResize="1" noEditPoints="1" noAdjustHandles="1" noChangeArrowheads="1" noChangeShapeType="1" noTextEdit="1"/>
+          </p:cNvSpPr>
+          <p:nvPr>
+            <p:extLst>
+              <p:ext uri="{386F3935-93C4-4BCD-93E2-E3B085C9AB24}">
+                <p16:designElem xmlns:p16="http://schemas.microsoft.com/office/powerpoint/2015/main" val="1"/>
+              </p:ext>
+            </p:extLst>
+          </p:nvPr>
+        </p:nvSpPr>
+        <p:spPr>
+          <a:xfrm>
+            <a:off x="0" y="0"/>
+            <a:ext cx="12192000" cy="6858000"/>
+          </a:xfrm>
+          <a:prstGeom prst="rect">
+            <a:avLst/>
+          </a:prstGeom>
+          <a:ln>
+            <a:noFill/>
+          </a:ln>
+        </p:spPr>
+        <p:style>
+          <a:lnRef idx="2">
+            <a:schemeClr val="accent1">
+              <a:shade val="50000"/>
+            </a:schemeClr>
+          </a:lnRef>
+          <a:fillRef idx="1">
+            <a:schemeClr val="accent1"/>
+          </a:fillRef>
+          <a:effectRef idx="0">
+            <a:schemeClr val="accent1"/>
+          </a:effectRef>
+          <a:fontRef idx="minor">
+            <a:schemeClr val="lt1"/>
+          </a:fontRef>
+        </p:style>
+        <p:txBody>
+          <a:bodyPr rtlCol="0" anchor="ctr"/>
+          <a:lstStyle/>
+          <a:p>
+            <a:pPr algn="ctr"/>
+            <a:endParaRPr lang="en-US"/>
+          </a:p>
+        </p:txBody>
+      </p:sp>
+      <p:sp>
+        <p:nvSpPr>
+          <p:cNvPr id="20" name="TextBox 19">
+            <a:extLst>
+              <a:ext uri="{FF2B5EF4-FFF2-40B4-BE49-F238E27FC236}">
+                <a16:creationId xmlns:a16="http://schemas.microsoft.com/office/drawing/2014/main" id="{5F8AE024-C0A3-4DF1-82FF-1E47B48C2847}"/>
+              </a:ext>
+            </a:extLst>
+          </p:cNvPr>
+          <p:cNvSpPr txBox="1"/>
+          <p:nvPr/>
+        </p:nvSpPr>
+        <p:spPr>
+          <a:xfrm>
+            <a:off x="429768" y="411480"/>
+            <a:ext cx="11201400" cy="1106424"/>
+          </a:xfrm>
+          <a:prstGeom prst="rect">
+            <a:avLst/>
+          </a:prstGeom>
+        </p:spPr>
+        <p:txBody>
+          <a:bodyPr vert="horz" lIns="91440" tIns="45720" rIns="91440" bIns="45720" rtlCol="0" anchor="ctr">
+            <a:normAutofit/>
+          </a:bodyPr>
+          <a:lstStyle/>
+          <a:p>
+            <a:pPr>
+              <a:lnSpc>
+                <a:spcPct val="90000"/>
+              </a:lnSpc>
+              <a:spcBef>
+                <a:spcPct val="0"/>
+              </a:spcBef>
+              <a:spcAft>
+                <a:spcPts val="600"/>
+              </a:spcAft>
+            </a:pPr>
+            <a:r>
+              <a:rPr lang="en-US" sz="3600" kern="1200">
+                <a:solidFill>
+                  <a:schemeClr val="tx1"/>
+                </a:solidFill>
+                <a:latin typeface="+mj-lt"/>
+                <a:ea typeface="+mj-ea"/>
+                <a:cs typeface="+mj-cs"/>
+              </a:rPr>
+              <a:t>EMADE DEAP vs DEAP vs ML</a:t>
+            </a:r>
+          </a:p>
+        </p:txBody>
+      </p:sp>
+      <p:sp>
+        <p:nvSpPr>
+          <p:cNvPr id="27" name="Rectangle 26">
+            <a:extLst>
+              <a:ext uri="{FF2B5EF4-FFF2-40B4-BE49-F238E27FC236}">
+                <a16:creationId xmlns:a16="http://schemas.microsoft.com/office/drawing/2014/main" id="{3E23A947-2D45-4208-AE2B-64948C87A3EB}"/>
+              </a:ext>
+              <a:ext uri="{C183D7F6-B498-43B3-948B-1728B52AA6E4}">
+                <adec:decorative xmlns:adec="http://schemas.microsoft.com/office/drawing/2017/decorative" val="1"/>
+              </a:ext>
+            </a:extLst>
+          </p:cNvPr>
+          <p:cNvSpPr>
+            <a:spLocks noGrp="1" noRot="1" noChangeAspect="1" noMove="1" noResize="1" noEditPoints="1" noAdjustHandles="1" noChangeArrowheads="1" noChangeShapeType="1" noTextEdit="1"/>
+          </p:cNvSpPr>
+          <p:nvPr>
+            <p:extLst>
+              <p:ext uri="{386F3935-93C4-4BCD-93E2-E3B085C9AB24}">
+                <p16:designElem xmlns:p16="http://schemas.microsoft.com/office/powerpoint/2015/main" val="1"/>
+              </p:ext>
+            </p:extLst>
+          </p:nvPr>
+        </p:nvSpPr>
+        <p:spPr>
+          <a:xfrm>
+            <a:off x="0" y="598458"/>
+            <a:ext cx="128016" cy="704088"/>
+          </a:xfrm>
+          <a:prstGeom prst="rect">
+            <a:avLst/>
+          </a:prstGeom>
+          <a:solidFill>
+            <a:schemeClr val="accent2"/>
+          </a:solidFill>
+          <a:ln>
+            <a:noFill/>
+          </a:ln>
+        </p:spPr>
+        <p:style>
+          <a:lnRef idx="2">
+            <a:schemeClr val="accent1">
+              <a:shade val="50000"/>
+            </a:schemeClr>
+          </a:lnRef>
+          <a:fillRef idx="1">
+            <a:schemeClr val="accent1"/>
+          </a:fillRef>
+          <a:effectRef idx="0">
+            <a:schemeClr val="accent1"/>
+          </a:effectRef>
+          <a:fontRef idx="minor">
+            <a:schemeClr val="lt1"/>
+          </a:fontRef>
+        </p:style>
+        <p:txBody>
+          <a:bodyPr rtlCol="0" anchor="ctr"/>
+          <a:lstStyle/>
+          <a:p>
+            <a:pPr algn="ctr"/>
+            <a:endParaRPr lang="en-US">
+              <a:solidFill>
+                <a:prstClr val="white"/>
+              </a:solidFill>
+              <a:latin typeface="Calibri" panose="020F0502020204030204"/>
+            </a:endParaRPr>
+          </a:p>
+        </p:txBody>
+      </p:sp>
       <p:pic>
         <p:nvPicPr>
-          <p:cNvPr id="10" name="Picture 9" descr="Chart, line chart&#10;&#10;Description automatically generated">
-            <a:extLst>
-              <a:ext uri="{FF2B5EF4-FFF2-40B4-BE49-F238E27FC236}">
-                <a16:creationId xmlns:a16="http://schemas.microsoft.com/office/drawing/2014/main" id="{9BAB7E4D-CEEC-4584-A25F-FAA61D7CD999}"/>
+          <p:cNvPr id="3" name="Picture 2" descr="Chart, line chart&#10;&#10;Description automatically generated">
+            <a:extLst>
+              <a:ext uri="{FF2B5EF4-FFF2-40B4-BE49-F238E27FC236}">
+                <a16:creationId xmlns:a16="http://schemas.microsoft.com/office/drawing/2014/main" id="{EEE426E8-E12B-4076-85C6-A4F92B4A25DE}"/>
               </a:ext>
             </a:extLst>
           </p:cNvPr>
@@ -4360,93 +4544,110 @@
         </p:blipFill>
         <p:spPr>
           <a:xfrm>
-            <a:off x="3550787" y="1292694"/>
-            <a:ext cx="8256253" cy="4272611"/>
+            <a:off x="429768" y="2243355"/>
+            <a:ext cx="6702552" cy="3468570"/>
           </a:xfrm>
           <a:prstGeom prst="rect">
             <a:avLst/>
           </a:prstGeom>
         </p:spPr>
       </p:pic>
-      <p:sp>
-        <p:nvSpPr>
-          <p:cNvPr id="4" name="Slide Number Placeholder 3">
-            <a:extLst>
-              <a:ext uri="{FF2B5EF4-FFF2-40B4-BE49-F238E27FC236}">
-                <a16:creationId xmlns:a16="http://schemas.microsoft.com/office/drawing/2014/main" id="{DEB5A991-06FF-414B-8578-7971CF22DB0D}"/>
+      <p:sp useBgFill="1">
+        <p:nvSpPr>
+          <p:cNvPr id="29" name="Rectangle 28">
+            <a:extLst>
+              <a:ext uri="{FF2B5EF4-FFF2-40B4-BE49-F238E27FC236}">
+                <a16:creationId xmlns:a16="http://schemas.microsoft.com/office/drawing/2014/main" id="{E5BBB0F9-6A59-4D02-A9C7-A2D6516684CE}"/>
+              </a:ext>
+              <a:ext uri="{C183D7F6-B498-43B3-948B-1728B52AA6E4}">
+                <adec:decorative xmlns:adec="http://schemas.microsoft.com/office/drawing/2017/decorative" val="1"/>
               </a:ext>
             </a:extLst>
           </p:cNvPr>
           <p:cNvSpPr>
-            <a:spLocks noGrp="1"/>
+            <a:spLocks noGrp="1" noRot="1" noChangeAspect="1" noMove="1" noResize="1" noEditPoints="1" noAdjustHandles="1" noChangeArrowheads="1" noChangeShapeType="1" noTextEdit="1"/>
           </p:cNvSpPr>
           <p:nvPr>
-            <p:ph type="sldNum" sz="quarter" idx="12"/>
+            <p:extLst>
+              <p:ext uri="{386F3935-93C4-4BCD-93E2-E3B085C9AB24}">
+                <p16:designElem xmlns:p16="http://schemas.microsoft.com/office/powerpoint/2015/main" val="1"/>
+              </p:ext>
+            </p:extLst>
           </p:nvPr>
         </p:nvSpPr>
         <p:spPr>
           <a:xfrm>
-            <a:off x="8610600" y="6356350"/>
-            <a:ext cx="2743200" cy="365125"/>
-          </a:xfrm>
-        </p:spPr>
-        <p:txBody>
-          <a:bodyPr vert="horz" lIns="91440" tIns="45720" rIns="91440" bIns="45720" rtlCol="0" anchor="ctr">
-            <a:normAutofit/>
-          </a:bodyPr>
-          <a:lstStyle/>
-          <a:p>
-            <a:pPr>
-              <a:spcAft>
-                <a:spcPts val="600"/>
-              </a:spcAft>
-            </a:pPr>
-            <a:fld id="{6993AE5B-9229-4036-8A8C-818128EA5895}" type="slidenum">
-              <a:rPr lang="en-US" smtClean="0"/>
-              <a:pPr>
-                <a:spcAft>
-                  <a:spcPts val="600"/>
-                </a:spcAft>
-              </a:pPr>
-              <a:t>11</a:t>
-            </a:fld>
-            <a:endParaRPr lang="en-US"/>
-          </a:p>
-        </p:txBody>
-      </p:sp>
-      <p:sp>
-        <p:nvSpPr>
-          <p:cNvPr id="20" name="TextBox 19">
-            <a:extLst>
-              <a:ext uri="{FF2B5EF4-FFF2-40B4-BE49-F238E27FC236}">
-                <a16:creationId xmlns:a16="http://schemas.microsoft.com/office/drawing/2014/main" id="{5F8AE024-C0A3-4DF1-82FF-1E47B48C2847}"/>
-              </a:ext>
-            </a:extLst>
-          </p:cNvPr>
-          <p:cNvSpPr txBox="1"/>
-          <p:nvPr/>
-        </p:nvSpPr>
-        <p:spPr>
-          <a:xfrm>
-            <a:off x="3216897" y="279026"/>
-            <a:ext cx="6094428" cy="523220"/>
+            <a:off x="7543801" y="1721922"/>
+            <a:ext cx="4218432" cy="4520560"/>
           </a:xfrm>
           <a:prstGeom prst="rect">
             <a:avLst/>
           </a:prstGeom>
-          <a:noFill/>
+          <a:ln w="9525">
+            <a:solidFill>
+              <a:srgbClr val="DEDEDE"/>
+            </a:solidFill>
+          </a:ln>
+          <a:effectLst>
+            <a:outerShdw blurRad="50800" dist="38100" dir="2700000" algn="tl" rotWithShape="0">
+              <a:schemeClr val="bg1">
+                <a:lumMod val="85000"/>
+                <a:alpha val="50000"/>
+              </a:schemeClr>
+            </a:outerShdw>
+          </a:effectLst>
         </p:spPr>
-        <p:txBody>
-          <a:bodyPr wrap="square">
-            <a:spAutoFit/>
-          </a:bodyPr>
+        <p:style>
+          <a:lnRef idx="2">
+            <a:schemeClr val="accent1">
+              <a:shade val="50000"/>
+            </a:schemeClr>
+          </a:lnRef>
+          <a:fillRef idx="1">
+            <a:schemeClr val="accent1"/>
+          </a:fillRef>
+          <a:effectRef idx="0">
+            <a:schemeClr val="accent1"/>
+          </a:effectRef>
+          <a:fontRef idx="minor">
+            <a:schemeClr val="lt1"/>
+          </a:fontRef>
+        </p:style>
+        <p:txBody>
+          <a:bodyPr rtlCol="0" anchor="ctr"/>
           <a:lstStyle/>
           <a:p>
-            <a:pPr algn="ctr"/>
-            <a:r>
-              <a:rPr lang="en-US" sz="2800" dirty="0"/>
-              <a:t>EMADE DEAP vs DEAP vs ML</a:t>
-            </a:r>
+            <a:pPr marL="0" marR="0" lvl="0" indent="0" algn="ctr" defTabSz="914400" rtl="0" eaLnBrk="1" fontAlgn="auto" latinLnBrk="0" hangingPunct="1">
+              <a:lnSpc>
+                <a:spcPct val="100000"/>
+              </a:lnSpc>
+              <a:spcBef>
+                <a:spcPts val="0"/>
+              </a:spcBef>
+              <a:spcAft>
+                <a:spcPts val="0"/>
+              </a:spcAft>
+              <a:buClrTx/>
+              <a:buSzTx/>
+              <a:buFontTx/>
+              <a:buNone/>
+              <a:tabLst/>
+              <a:defRPr/>
+            </a:pPr>
+            <a:endParaRPr kumimoji="0" lang="en-US" sz="1800" b="0" i="0" u="none" strike="noStrike" kern="1200" cap="none" spc="0" normalizeH="0" baseline="0" noProof="0">
+              <a:ln>
+                <a:noFill/>
+              </a:ln>
+              <a:solidFill>
+                <a:prstClr val="white"/>
+              </a:solidFill>
+              <a:effectLst/>
+              <a:uLnTx/>
+              <a:uFillTx/>
+              <a:latin typeface="Calibri" panose="020F0502020204030204"/>
+              <a:ea typeface="+mn-ea"/>
+              <a:cs typeface="+mn-cs"/>
+            </a:endParaRPr>
           </a:p>
         </p:txBody>
       </p:sp>
@@ -4468,19 +4669,12 @@
         </p:nvSpPr>
         <p:spPr bwMode="auto">
           <a:xfrm>
-            <a:off x="384174" y="1485440"/>
-            <a:ext cx="3037756" cy="2769989"/>
+            <a:off x="7938752" y="2020824"/>
+            <a:ext cx="3455097" cy="3959352"/>
           </a:xfrm>
           <a:prstGeom prst="rect">
             <a:avLst/>
           </a:prstGeom>
-          <a:solidFill>
-            <a:srgbClr val="FFFFFF"/>
-          </a:solidFill>
-          <a:ln>
-            <a:noFill/>
-          </a:ln>
-          <a:effectLst/>
           <a:extLst>
             <a:ext uri="{91240B29-F687-4F45-9708-019B960494DF}">
               <a14:hiddenLine xmlns:a14="http://schemas.microsoft.com/office/drawing/2010/main" w="9525">
@@ -4504,28 +4698,25 @@
           </a:extLst>
         </p:spPr>
         <p:txBody>
-          <a:bodyPr vert="horz" wrap="square" lIns="0" tIns="0" rIns="0" bIns="0" numCol="1" anchor="ctr" anchorCtr="0" compatLnSpc="1">
+          <a:bodyPr vert="horz" lIns="91440" tIns="45720" rIns="91440" bIns="45720" numCol="1" rtlCol="0" anchor="ctr" anchorCtr="0" compatLnSpc="1">
             <a:prstTxWarp prst="textNoShape">
               <a:avLst/>
             </a:prstTxWarp>
-            <a:spAutoFit/>
+            <a:normAutofit/>
           </a:bodyPr>
           <a:lstStyle/>
           <a:p>
-            <a:pPr marL="0" marR="0" lvl="0" indent="0" algn="l" defTabSz="914400" rtl="0" eaLnBrk="0" fontAlgn="base" latinLnBrk="0" hangingPunct="0">
-              <a:lnSpc>
-                <a:spcPct val="100000"/>
-              </a:lnSpc>
+            <a:pPr marL="0" marR="0" lvl="0" indent="-228600" algn="l" fontAlgn="base">
               <a:spcBef>
                 <a:spcPct val="0"/>
               </a:spcBef>
               <a:spcAft>
-                <a:spcPct val="0"/>
+                <a:spcPts val="600"/>
               </a:spcAft>
               <a:buClrTx/>
               <a:buSzTx/>
-              <a:buFontTx/>
-              <a:buNone/>
+              <a:buFont typeface="Arial" panose="020B0604020202020204" pitchFamily="34" charset="0"/>
+              <a:buChar char="•"/>
               <a:tabLst/>
             </a:pPr>
             <a:r>
@@ -4533,41 +4724,27 @@
                 <a:ln>
                   <a:noFill/>
                 </a:ln>
-                <a:solidFill>
-                  <a:srgbClr val="000000"/>
-                </a:solidFill>
                 <a:effectLst/>
-                <a:latin typeface="Arial Unicode MS"/>
-                <a:ea typeface="Courier New" panose="02070309020205020404" pitchFamily="49" charset="0"/>
               </a:rPr>
               <a:t>EMADE </a:t>
             </a:r>
           </a:p>
           <a:p>
-            <a:pPr marL="0" marR="0" lvl="0" indent="0" algn="l" defTabSz="914400" rtl="0" eaLnBrk="0" fontAlgn="base" latinLnBrk="0" hangingPunct="0">
-              <a:lnSpc>
-                <a:spcPct val="100000"/>
-              </a:lnSpc>
+            <a:pPr marL="0" marR="0" lvl="0" indent="-228600" algn="l" fontAlgn="base">
               <a:spcBef>
                 <a:spcPct val="0"/>
               </a:spcBef>
               <a:spcAft>
-                <a:spcPct val="0"/>
+                <a:spcPts val="600"/>
               </a:spcAft>
               <a:buClrTx/>
               <a:buSzTx/>
-              <a:buFontTx/>
-              <a:buNone/>
+              <a:buFont typeface="Arial" panose="020B0604020202020204" pitchFamily="34" charset="0"/>
+              <a:buChar char="•"/>
               <a:tabLst/>
             </a:pPr>
             <a:r>
-              <a:rPr lang="en-US" altLang="en-US" sz="1800" dirty="0">
-                <a:solidFill>
-                  <a:srgbClr val="000000"/>
-                </a:solidFill>
-                <a:latin typeface="Arial Unicode MS"/>
-                <a:ea typeface="Courier New" panose="02070309020205020404" pitchFamily="49" charset="0"/>
-              </a:rPr>
+              <a:rPr lang="en-US" altLang="en-US" sz="1800" dirty="0"/>
               <a:t>- </a:t>
             </a:r>
             <a:r>
@@ -4575,88 +4752,63 @@
                 <a:ln>
                   <a:noFill/>
                 </a:ln>
-                <a:solidFill>
-                  <a:srgbClr val="000000"/>
-                </a:solidFill>
                 <a:effectLst/>
-                <a:latin typeface="Arial Unicode MS"/>
-                <a:ea typeface="Courier New" panose="02070309020205020404" pitchFamily="49" charset="0"/>
               </a:rPr>
               <a:t>Time take: 4 hours</a:t>
             </a:r>
           </a:p>
           <a:p>
-            <a:pPr marL="0" marR="0" lvl="0" indent="0" algn="l" defTabSz="914400" rtl="0" eaLnBrk="0" fontAlgn="base" latinLnBrk="0" hangingPunct="0">
-              <a:lnSpc>
-                <a:spcPct val="100000"/>
-              </a:lnSpc>
+            <a:pPr marL="0" marR="0" lvl="0" indent="-228600" algn="l" fontAlgn="base">
               <a:spcBef>
                 <a:spcPct val="0"/>
               </a:spcBef>
               <a:spcAft>
-                <a:spcPct val="0"/>
+                <a:spcPts val="600"/>
               </a:spcAft>
               <a:buClrTx/>
               <a:buSzTx/>
-              <a:buFontTx/>
-              <a:buNone/>
+              <a:buFont typeface="Arial" panose="020B0604020202020204" pitchFamily="34" charset="0"/>
+              <a:buChar char="•"/>
               <a:tabLst/>
             </a:pPr>
             <a:r>
-              <a:rPr lang="en-US" altLang="en-US" sz="1800" dirty="0">
-                <a:solidFill>
-                  <a:srgbClr val="000000"/>
-                </a:solidFill>
-                <a:latin typeface="Arial Unicode MS"/>
-                <a:ea typeface="Courier New" panose="02070309020205020404" pitchFamily="49" charset="0"/>
-              </a:rPr>
+              <a:rPr lang="en-US" altLang="en-US" sz="1800" dirty="0"/>
               <a:t>- Generation: 37</a:t>
             </a:r>
           </a:p>
           <a:p>
-            <a:pPr marL="0" marR="0" lvl="0" indent="0" algn="l" defTabSz="914400" rtl="0" eaLnBrk="0" fontAlgn="base" latinLnBrk="0" hangingPunct="0">
-              <a:lnSpc>
-                <a:spcPct val="100000"/>
-              </a:lnSpc>
+            <a:pPr marL="0" marR="0" lvl="0" indent="-228600" algn="l" fontAlgn="base">
               <a:spcBef>
                 <a:spcPct val="0"/>
               </a:spcBef>
               <a:spcAft>
-                <a:spcPct val="0"/>
+                <a:spcPts val="600"/>
               </a:spcAft>
               <a:buClrTx/>
               <a:buSzTx/>
-              <a:buFontTx/>
-              <a:buNone/>
+              <a:buFont typeface="Arial" panose="020B0604020202020204" pitchFamily="34" charset="0"/>
+              <a:buChar char="•"/>
               <a:tabLst/>
             </a:pPr>
             <a:endParaRPr kumimoji="0" lang="en-US" altLang="en-US" sz="1800" b="0" i="0" u="none" strike="noStrike" cap="none" normalizeH="0" baseline="0" dirty="0">
               <a:ln>
                 <a:noFill/>
               </a:ln>
-              <a:solidFill>
-                <a:srgbClr val="000000"/>
-              </a:solidFill>
               <a:effectLst/>
-              <a:latin typeface="Arial Unicode MS"/>
-              <a:ea typeface="Courier New" panose="02070309020205020404" pitchFamily="49" charset="0"/>
             </a:endParaRPr>
           </a:p>
           <a:p>
-            <a:pPr marL="0" marR="0" lvl="0" indent="0" algn="l" defTabSz="914400" rtl="0" eaLnBrk="0" fontAlgn="base" latinLnBrk="0" hangingPunct="0">
-              <a:lnSpc>
-                <a:spcPct val="100000"/>
-              </a:lnSpc>
+            <a:pPr marL="0" marR="0" lvl="0" indent="-228600" algn="l" fontAlgn="base">
               <a:spcBef>
                 <a:spcPct val="0"/>
               </a:spcBef>
               <a:spcAft>
-                <a:spcPct val="0"/>
+                <a:spcPts val="600"/>
               </a:spcAft>
               <a:buClrTx/>
               <a:buSzTx/>
-              <a:buFontTx/>
-              <a:buNone/>
+              <a:buFont typeface="Arial" panose="020B0604020202020204" pitchFamily="34" charset="0"/>
+              <a:buChar char="•"/>
               <a:tabLst/>
             </a:pPr>
             <a:r>
@@ -4664,31 +4816,23 @@
                 <a:ln>
                   <a:noFill/>
                 </a:ln>
-                <a:solidFill>
-                  <a:srgbClr val="000000"/>
-                </a:solidFill>
                 <a:effectLst/>
-                <a:latin typeface="Arial Unicode MS"/>
-                <a:ea typeface="Courier New" panose="02070309020205020404" pitchFamily="49" charset="0"/>
               </a:rPr>
               <a:t>AUC EMADE: 	0.2374 </a:t>
             </a:r>
           </a:p>
           <a:p>
-            <a:pPr marL="0" marR="0" lvl="0" indent="0" algn="l" defTabSz="914400" rtl="0" eaLnBrk="0" fontAlgn="base" latinLnBrk="0" hangingPunct="0">
-              <a:lnSpc>
-                <a:spcPct val="100000"/>
-              </a:lnSpc>
+            <a:pPr marL="0" marR="0" lvl="0" indent="-228600" algn="l" fontAlgn="base">
               <a:spcBef>
                 <a:spcPct val="0"/>
               </a:spcBef>
               <a:spcAft>
-                <a:spcPct val="0"/>
+                <a:spcPts val="600"/>
               </a:spcAft>
               <a:buClrTx/>
               <a:buSzTx/>
-              <a:buFontTx/>
-              <a:buNone/>
+              <a:buFont typeface="Arial" panose="020B0604020202020204" pitchFamily="34" charset="0"/>
+              <a:buChar char="•"/>
               <a:tabLst/>
             </a:pPr>
             <a:r>
@@ -4696,31 +4840,23 @@
                 <a:ln>
                   <a:noFill/>
                 </a:ln>
-                <a:solidFill>
-                  <a:srgbClr val="000000"/>
-                </a:solidFill>
                 <a:effectLst/>
-                <a:latin typeface="Arial Unicode MS"/>
-                <a:ea typeface="Courier New" panose="02070309020205020404" pitchFamily="49" charset="0"/>
               </a:rPr>
               <a:t>AUC GP: 	0.1305 </a:t>
             </a:r>
           </a:p>
           <a:p>
-            <a:pPr marL="0" marR="0" lvl="0" indent="0" algn="l" defTabSz="914400" rtl="0" eaLnBrk="0" fontAlgn="base" latinLnBrk="0" hangingPunct="0">
-              <a:lnSpc>
-                <a:spcPct val="100000"/>
-              </a:lnSpc>
+            <a:pPr marL="0" marR="0" lvl="0" indent="-228600" algn="l" fontAlgn="base">
               <a:spcBef>
                 <a:spcPct val="0"/>
               </a:spcBef>
               <a:spcAft>
-                <a:spcPct val="0"/>
+                <a:spcPts val="600"/>
               </a:spcAft>
               <a:buClrTx/>
               <a:buSzTx/>
-              <a:buFontTx/>
-              <a:buNone/>
+              <a:buFont typeface="Arial" panose="020B0604020202020204" pitchFamily="34" charset="0"/>
+              <a:buChar char="•"/>
               <a:tabLst/>
             </a:pPr>
             <a:r>
@@ -4728,31 +4864,23 @@
                 <a:ln>
                   <a:noFill/>
                 </a:ln>
-                <a:solidFill>
-                  <a:srgbClr val="000000"/>
-                </a:solidFill>
                 <a:effectLst/>
-                <a:latin typeface="Arial Unicode MS"/>
-                <a:ea typeface="Courier New" panose="02070309020205020404" pitchFamily="49" charset="0"/>
               </a:rPr>
               <a:t>AUC ML: 	0.2379 </a:t>
             </a:r>
           </a:p>
           <a:p>
-            <a:pPr marL="0" marR="0" lvl="0" indent="0" algn="l" defTabSz="914400" rtl="0" eaLnBrk="0" fontAlgn="base" latinLnBrk="0" hangingPunct="0">
-              <a:lnSpc>
-                <a:spcPct val="100000"/>
-              </a:lnSpc>
+            <a:pPr marL="0" marR="0" lvl="0" indent="-228600" algn="l" fontAlgn="base">
               <a:spcBef>
                 <a:spcPct val="0"/>
               </a:spcBef>
               <a:spcAft>
-                <a:spcPct val="0"/>
+                <a:spcPts val="600"/>
               </a:spcAft>
               <a:buClrTx/>
               <a:buSzTx/>
-              <a:buFontTx/>
-              <a:buNone/>
+              <a:buFont typeface="Arial" panose="020B0604020202020204" pitchFamily="34" charset="0"/>
+              <a:buChar char="•"/>
               <a:tabLst/>
             </a:pPr>
             <a:r>
@@ -4760,31 +4888,23 @@
                 <a:ln>
                   <a:noFill/>
                 </a:ln>
-                <a:solidFill>
-                  <a:srgbClr val="000000"/>
-                </a:solidFill>
                 <a:effectLst/>
-                <a:latin typeface="Arial Unicode MS"/>
-                <a:ea typeface="Courier New" panose="02070309020205020404" pitchFamily="49" charset="0"/>
               </a:rPr>
-              <a:t>GP HOF# 	45 </a:t>
-            </a:r>
-          </a:p>
-          <a:p>
-            <a:pPr marL="0" marR="0" lvl="0" indent="0" algn="l" defTabSz="914400" rtl="0" eaLnBrk="0" fontAlgn="base" latinLnBrk="0" hangingPunct="0">
-              <a:lnSpc>
-                <a:spcPct val="100000"/>
-              </a:lnSpc>
+              <a:t>GP HOF# 	45</a:t>
+            </a:r>
+          </a:p>
+          <a:p>
+            <a:pPr marL="0" marR="0" lvl="0" indent="-228600" algn="l" fontAlgn="base">
               <a:spcBef>
                 <a:spcPct val="0"/>
               </a:spcBef>
               <a:spcAft>
-                <a:spcPct val="0"/>
+                <a:spcPts val="600"/>
               </a:spcAft>
               <a:buClrTx/>
               <a:buSzTx/>
-              <a:buFontTx/>
-              <a:buNone/>
+              <a:buFont typeface="Arial" panose="020B0604020202020204" pitchFamily="34" charset="0"/>
+              <a:buChar char="•"/>
               <a:tabLst/>
             </a:pPr>
             <a:r>
@@ -4792,31 +4912,23 @@
                 <a:ln>
                   <a:noFill/>
                 </a:ln>
-                <a:solidFill>
-                  <a:srgbClr val="000000"/>
-                </a:solidFill>
                 <a:effectLst/>
-                <a:latin typeface="Arial Unicode MS"/>
-                <a:ea typeface="Courier New" panose="02070309020205020404" pitchFamily="49" charset="0"/>
               </a:rPr>
               <a:t>ML HOF# 	5 </a:t>
             </a:r>
           </a:p>
           <a:p>
-            <a:pPr marL="0" marR="0" lvl="0" indent="0" algn="l" defTabSz="914400" rtl="0" eaLnBrk="0" fontAlgn="base" latinLnBrk="0" hangingPunct="0">
-              <a:lnSpc>
-                <a:spcPct val="100000"/>
-              </a:lnSpc>
+            <a:pPr marL="0" marR="0" lvl="0" indent="-228600" algn="l" fontAlgn="base">
               <a:spcBef>
                 <a:spcPct val="0"/>
               </a:spcBef>
               <a:spcAft>
-                <a:spcPct val="0"/>
+                <a:spcPts val="600"/>
               </a:spcAft>
               <a:buClrTx/>
               <a:buSzTx/>
-              <a:buFontTx/>
-              <a:buNone/>
+              <a:buFont typeface="Arial" panose="020B0604020202020204" pitchFamily="34" charset="0"/>
+              <a:buChar char="•"/>
               <a:tabLst/>
             </a:pPr>
             <a:r>
@@ -4824,36 +4936,69 @@
                 <a:ln>
                   <a:noFill/>
                 </a:ln>
-                <a:solidFill>
-                  <a:srgbClr val="000000"/>
-                </a:solidFill>
-                <a:effectLst/>
-                <a:latin typeface="Arial Unicode MS"/>
-                <a:ea typeface="Courier New" panose="02070309020205020404" pitchFamily="49" charset="0"/>
-              </a:rPr>
-              <a:t>EMADE HOF# 	22</a:t>
-            </a:r>
-            <a:r>
-              <a:rPr kumimoji="0" lang="en-US" altLang="en-US" sz="1800" b="0" i="0" u="none" strike="noStrike" cap="none" normalizeH="0" baseline="0" dirty="0">
-                <a:ln>
-                  <a:noFill/>
-                </a:ln>
-                <a:solidFill>
-                  <a:schemeClr val="tx1"/>
-                </a:solidFill>
                 <a:effectLst/>
               </a:rPr>
-              <a:t> </a:t>
-            </a:r>
-            <a:endParaRPr kumimoji="0" lang="en-US" altLang="en-US" sz="1800" b="0" i="0" u="none" strike="noStrike" cap="none" normalizeH="0" baseline="0" dirty="0">
-              <a:ln>
-                <a:noFill/>
-              </a:ln>
+              <a:t>EMADE HOF# 	22 </a:t>
+            </a:r>
+          </a:p>
+        </p:txBody>
+      </p:sp>
+      <p:sp>
+        <p:nvSpPr>
+          <p:cNvPr id="4" name="Slide Number Placeholder 3">
+            <a:extLst>
+              <a:ext uri="{FF2B5EF4-FFF2-40B4-BE49-F238E27FC236}">
+                <a16:creationId xmlns:a16="http://schemas.microsoft.com/office/drawing/2014/main" id="{DEB5A991-06FF-414B-8578-7971CF22DB0D}"/>
+              </a:ext>
+            </a:extLst>
+          </p:cNvPr>
+          <p:cNvSpPr>
+            <a:spLocks noGrp="1"/>
+          </p:cNvSpPr>
+          <p:nvPr>
+            <p:ph type="sldNum" sz="quarter" idx="12"/>
+          </p:nvPr>
+        </p:nvSpPr>
+        <p:spPr>
+          <a:xfrm>
+            <a:off x="8595360" y="6356350"/>
+            <a:ext cx="2743200" cy="365125"/>
+          </a:xfrm>
+        </p:spPr>
+        <p:txBody>
+          <a:bodyPr vert="horz" lIns="91440" tIns="45720" rIns="91440" bIns="45720" rtlCol="0" anchor="ctr">
+            <a:normAutofit/>
+          </a:bodyPr>
+          <a:lstStyle/>
+          <a:p>
+            <a:pPr>
+              <a:spcAft>
+                <a:spcPts val="600"/>
+              </a:spcAft>
+            </a:pPr>
+            <a:fld id="{6993AE5B-9229-4036-8A8C-818128EA5895}" type="slidenum">
+              <a:rPr lang="en-US">
+                <a:solidFill>
+                  <a:schemeClr val="tx1">
+                    <a:lumMod val="50000"/>
+                    <a:lumOff val="50000"/>
+                  </a:schemeClr>
+                </a:solidFill>
+              </a:rPr>
+              <a:pPr>
+                <a:spcAft>
+                  <a:spcPts val="600"/>
+                </a:spcAft>
+              </a:pPr>
+              <a:t>11</a:t>
+            </a:fld>
+            <a:endParaRPr lang="en-US">
               <a:solidFill>
-                <a:schemeClr val="tx1"/>
+                <a:schemeClr val="tx1">
+                  <a:lumMod val="50000"/>
+                  <a:lumOff val="50000"/>
+                </a:schemeClr>
               </a:solidFill>
-              <a:effectLst/>
-              <a:latin typeface="Arial" panose="020B0604020202020204" pitchFamily="34" charset="0"/>
             </a:endParaRPr>
           </a:p>
         </p:txBody>
@@ -8356,7 +8501,7 @@
         </p:spPr>
         <p:txBody>
           <a:bodyPr>
-            <a:normAutofit/>
+            <a:normAutofit lnSpcReduction="10000"/>
           </a:bodyPr>
           <a:lstStyle/>
           <a:p>
@@ -8376,7 +8521,31 @@
             </a:pPr>
             <a:r>
               <a:rPr lang="en-US" sz="1600" dirty="0"/>
-              <a:t>Dataset: same as previous + 0~1 normalization</a:t>
+              <a:t>Dataset: </a:t>
+            </a:r>
+          </a:p>
+          <a:p>
+            <a:pPr marL="1257300" lvl="2" indent="-342900" algn="l">
+              <a:buFontTx/>
+              <a:buChar char="-"/>
+            </a:pPr>
+            <a:r>
+              <a:rPr lang="en-US" sz="1400" i="1" dirty="0"/>
+              <a:t>fare, cabin</a:t>
+            </a:r>
+            <a:r>
+              <a:rPr lang="en-US" sz="1400" dirty="0"/>
+              <a:t> are added into dataset</a:t>
+            </a:r>
+          </a:p>
+          <a:p>
+            <a:pPr marL="1257300" lvl="2" indent="-342900" algn="l">
+              <a:buFontTx/>
+              <a:buChar char="-"/>
+            </a:pPr>
+            <a:r>
+              <a:rPr lang="en-US" sz="1400" dirty="0"/>
+              <a:t>0~1 normalization for each attribute/feature</a:t>
             </a:r>
           </a:p>
           <a:p>

--- a/results/Titanic EMADE GP Team 5 .pptx
+++ b/results/Titanic EMADE GP Team 5 .pptx
@@ -4790,26 +4790,93 @@
               <a:buChar char="•"/>
               <a:tabLst/>
             </a:pPr>
-            <a:endParaRPr kumimoji="0" lang="en-US" altLang="en-US" sz="1800" b="0" i="0" u="none" strike="noStrike" cap="none" normalizeH="0" baseline="0" dirty="0">
-              <a:ln>
-                <a:noFill/>
-              </a:ln>
-              <a:effectLst/>
-            </a:endParaRPr>
-          </a:p>
-          <a:p>
-            <a:pPr marL="0" marR="0" lvl="0" indent="-228600" algn="l" fontAlgn="base">
+            <a:r>
+              <a:rPr lang="en-US" altLang="en-US" sz="1800" dirty="0"/>
+              <a:t>HOF </a:t>
+            </a:r>
+            <a:r>
+              <a:rPr kumimoji="0" lang="en-US" altLang="en-US" sz="1800" b="0" i="0" u="none" strike="noStrike" cap="none" normalizeH="0" baseline="0" dirty="0">
+                <a:ln>
+                  <a:noFill/>
+                </a:ln>
+                <a:effectLst/>
+              </a:rPr>
+              <a:t>AUC</a:t>
+            </a:r>
+          </a:p>
+          <a:p>
+            <a:pPr lvl="1" indent="-228600" algn="l" fontAlgn="base">
               <a:spcBef>
                 <a:spcPct val="0"/>
               </a:spcBef>
               <a:spcAft>
                 <a:spcPts val="600"/>
               </a:spcAft>
-              <a:buClrTx/>
-              <a:buSzTx/>
               <a:buFont typeface="Arial" panose="020B0604020202020204" pitchFamily="34" charset="0"/>
               <a:buChar char="•"/>
-              <a:tabLst/>
+            </a:pPr>
+            <a:r>
+              <a:rPr kumimoji="0" lang="en-US" altLang="en-US" sz="1400" b="0" i="0" u="none" strike="noStrike" cap="none" normalizeH="0" baseline="0" dirty="0">
+                <a:ln>
+                  <a:noFill/>
+                </a:ln>
+                <a:effectLst/>
+              </a:rPr>
+              <a:t>EMADE: 	0.2374 </a:t>
+            </a:r>
+          </a:p>
+          <a:p>
+            <a:pPr lvl="1" indent="-228600" algn="l" fontAlgn="base">
+              <a:spcBef>
+                <a:spcPct val="0"/>
+              </a:spcBef>
+              <a:spcAft>
+                <a:spcPts val="600"/>
+              </a:spcAft>
+              <a:buFont typeface="Arial" panose="020B0604020202020204" pitchFamily="34" charset="0"/>
+              <a:buChar char="•"/>
+            </a:pPr>
+            <a:r>
+              <a:rPr kumimoji="0" lang="en-US" altLang="en-US" sz="1400" b="0" i="0" u="none" strike="noStrike" cap="none" normalizeH="0" baseline="0" dirty="0">
+                <a:ln>
+                  <a:noFill/>
+                </a:ln>
+                <a:effectLst/>
+              </a:rPr>
+              <a:t>GP: 		0.1305 </a:t>
+            </a:r>
+          </a:p>
+          <a:p>
+            <a:pPr lvl="1" indent="-228600" algn="l" fontAlgn="base">
+              <a:spcBef>
+                <a:spcPct val="0"/>
+              </a:spcBef>
+              <a:spcAft>
+                <a:spcPts val="600"/>
+              </a:spcAft>
+              <a:buFont typeface="Arial" panose="020B0604020202020204" pitchFamily="34" charset="0"/>
+              <a:buChar char="•"/>
+            </a:pPr>
+            <a:r>
+              <a:rPr kumimoji="0" lang="en-US" altLang="en-US" sz="1400" b="0" i="0" u="none" strike="noStrike" cap="none" normalizeH="0" baseline="0" dirty="0">
+                <a:ln>
+                  <a:noFill/>
+                </a:ln>
+                <a:effectLst/>
+              </a:rPr>
+              <a:t>ML: 		0.2379</a:t>
+            </a:r>
+          </a:p>
+          <a:p>
+            <a:pPr indent="-228600" algn="l" fontAlgn="base">
+              <a:spcBef>
+                <a:spcPct val="0"/>
+              </a:spcBef>
+              <a:spcAft>
+                <a:spcPts val="600"/>
+              </a:spcAft>
+              <a:buFont typeface="Arial" panose="020B0604020202020204" pitchFamily="34" charset="0"/>
+              <a:buChar char="•"/>
             </a:pPr>
             <a:r>
               <a:rPr kumimoji="0" lang="en-US" altLang="en-US" sz="1800" b="0" i="0" u="none" strike="noStrike" cap="none" normalizeH="0" baseline="0" dirty="0">
@@ -4818,127 +4885,75 @@
                 </a:ln>
                 <a:effectLst/>
               </a:rPr>
-              <a:t>AUC EMADE: 	0.2374 </a:t>
-            </a:r>
-          </a:p>
-          <a:p>
-            <a:pPr marL="0" marR="0" lvl="0" indent="-228600" algn="l" fontAlgn="base">
+              <a:t>HOF #</a:t>
+            </a:r>
+          </a:p>
+          <a:p>
+            <a:pPr lvl="1" indent="-228600" algn="l" fontAlgn="base">
               <a:spcBef>
                 <a:spcPct val="0"/>
               </a:spcBef>
               <a:spcAft>
                 <a:spcPts val="600"/>
               </a:spcAft>
-              <a:buClrTx/>
-              <a:buSzTx/>
               <a:buFont typeface="Arial" panose="020B0604020202020204" pitchFamily="34" charset="0"/>
               <a:buChar char="•"/>
-              <a:tabLst/>
             </a:pPr>
             <a:r>
-              <a:rPr kumimoji="0" lang="en-US" altLang="en-US" sz="1800" b="0" i="0" u="none" strike="noStrike" cap="none" normalizeH="0" baseline="0" dirty="0">
+              <a:rPr kumimoji="0" lang="en-US" altLang="en-US" sz="1400" b="0" i="0" u="none" strike="noStrike" cap="none" normalizeH="0" baseline="0" dirty="0">
                 <a:ln>
                   <a:noFill/>
                 </a:ln>
                 <a:effectLst/>
               </a:rPr>
-              <a:t>AUC GP: 	0.1305 </a:t>
-            </a:r>
-          </a:p>
-          <a:p>
-            <a:pPr marL="0" marR="0" lvl="0" indent="-228600" algn="l" fontAlgn="base">
+              <a:t>ML 		5 </a:t>
+            </a:r>
+            <a:endParaRPr lang="en-US" altLang="en-US" sz="1400" dirty="0"/>
+          </a:p>
+          <a:p>
+            <a:pPr lvl="1" indent="-228600" algn="l" fontAlgn="base">
               <a:spcBef>
                 <a:spcPct val="0"/>
               </a:spcBef>
               <a:spcAft>
                 <a:spcPts val="600"/>
               </a:spcAft>
-              <a:buClrTx/>
-              <a:buSzTx/>
               <a:buFont typeface="Arial" panose="020B0604020202020204" pitchFamily="34" charset="0"/>
               <a:buChar char="•"/>
-              <a:tabLst/>
             </a:pPr>
             <a:r>
-              <a:rPr kumimoji="0" lang="en-US" altLang="en-US" sz="1800" b="0" i="0" u="none" strike="noStrike" cap="none" normalizeH="0" baseline="0" dirty="0">
+              <a:rPr lang="en-US" altLang="en-US" sz="1400" dirty="0"/>
+              <a:t>DEAP</a:t>
+            </a:r>
+            <a:r>
+              <a:rPr kumimoji="0" lang="en-US" altLang="en-US" sz="1400" b="0" i="0" u="none" strike="noStrike" cap="none" normalizeH="0" baseline="0" dirty="0">
                 <a:ln>
                   <a:noFill/>
                 </a:ln>
                 <a:effectLst/>
               </a:rPr>
-              <a:t>AUC ML: 	0.2379 </a:t>
-            </a:r>
-          </a:p>
-          <a:p>
-            <a:pPr marL="0" marR="0" lvl="0" indent="-228600" algn="l" fontAlgn="base">
+              <a:t>		45</a:t>
+            </a:r>
+          </a:p>
+          <a:p>
+            <a:pPr lvl="1" indent="-228600" algn="l" fontAlgn="base">
               <a:spcBef>
                 <a:spcPct val="0"/>
               </a:spcBef>
               <a:spcAft>
                 <a:spcPts val="600"/>
               </a:spcAft>
-              <a:buClrTx/>
-              <a:buSzTx/>
               <a:buFont typeface="Arial" panose="020B0604020202020204" pitchFamily="34" charset="0"/>
               <a:buChar char="•"/>
-              <a:tabLst/>
             </a:pPr>
             <a:r>
-              <a:rPr kumimoji="0" lang="en-US" altLang="en-US" sz="1800" b="0" i="0" u="none" strike="noStrike" cap="none" normalizeH="0" baseline="0" dirty="0">
+              <a:rPr kumimoji="0" lang="en-US" altLang="en-US" sz="1400" b="0" i="0" u="none" strike="noStrike" cap="none" normalizeH="0" baseline="0" dirty="0">
                 <a:ln>
                   <a:noFill/>
                 </a:ln>
                 <a:effectLst/>
               </a:rPr>
-              <a:t>GP HOF# 	45</a:t>
-            </a:r>
-          </a:p>
-          <a:p>
-            <a:pPr marL="0" marR="0" lvl="0" indent="-228600" algn="l" fontAlgn="base">
-              <a:spcBef>
-                <a:spcPct val="0"/>
-              </a:spcBef>
-              <a:spcAft>
-                <a:spcPts val="600"/>
-              </a:spcAft>
-              <a:buClrTx/>
-              <a:buSzTx/>
-              <a:buFont typeface="Arial" panose="020B0604020202020204" pitchFamily="34" charset="0"/>
-              <a:buChar char="•"/>
-              <a:tabLst/>
-            </a:pPr>
-            <a:r>
-              <a:rPr kumimoji="0" lang="en-US" altLang="en-US" sz="1800" b="0" i="0" u="none" strike="noStrike" cap="none" normalizeH="0" baseline="0" dirty="0">
-                <a:ln>
-                  <a:noFill/>
-                </a:ln>
-                <a:effectLst/>
-              </a:rPr>
-              <a:t>ML HOF# 	5 </a:t>
-            </a:r>
-          </a:p>
-          <a:p>
-            <a:pPr marL="0" marR="0" lvl="0" indent="-228600" algn="l" fontAlgn="base">
-              <a:spcBef>
-                <a:spcPct val="0"/>
-              </a:spcBef>
-              <a:spcAft>
-                <a:spcPts val="600"/>
-              </a:spcAft>
-              <a:buClrTx/>
-              <a:buSzTx/>
-              <a:buFont typeface="Arial" panose="020B0604020202020204" pitchFamily="34" charset="0"/>
-              <a:buChar char="•"/>
-              <a:tabLst/>
-            </a:pPr>
-            <a:r>
-              <a:rPr kumimoji="0" lang="en-US" altLang="en-US" sz="1800" b="0" i="0" u="none" strike="noStrike" cap="none" normalizeH="0" baseline="0" dirty="0">
-                <a:ln>
-                  <a:noFill/>
-                </a:ln>
-                <a:effectLst/>
-              </a:rPr>
-              <a:t>EMADE HOF# 	22 </a:t>
+              <a:t>EMADE 	22 </a:t>
             </a:r>
           </a:p>
         </p:txBody>

--- a/results/Titanic EMADE GP Team 5 .pptx
+++ b/results/Titanic EMADE GP Team 5 .pptx
@@ -4730,6 +4730,43 @@
             </a:r>
           </a:p>
           <a:p>
+            <a:pPr lvl="1" indent="-228600" algn="l" fontAlgn="base">
+              <a:spcBef>
+                <a:spcPct val="0"/>
+              </a:spcBef>
+              <a:spcAft>
+                <a:spcPts val="600"/>
+              </a:spcAft>
+              <a:buFont typeface="Arial" panose="020B0604020202020204" pitchFamily="34" charset="0"/>
+              <a:buChar char="•"/>
+            </a:pPr>
+            <a:r>
+              <a:rPr kumimoji="0" lang="en-US" altLang="en-US" sz="1400" b="0" i="0" u="none" strike="noStrike" cap="none" normalizeH="0" baseline="0" dirty="0">
+                <a:ln>
+                  <a:noFill/>
+                </a:ln>
+                <a:effectLst/>
+              </a:rPr>
+              <a:t>Time take: 4 hours</a:t>
+            </a:r>
+          </a:p>
+          <a:p>
+            <a:pPr lvl="1" indent="-228600" algn="l" fontAlgn="base">
+              <a:spcBef>
+                <a:spcPct val="0"/>
+              </a:spcBef>
+              <a:spcAft>
+                <a:spcPts val="600"/>
+              </a:spcAft>
+              <a:buFont typeface="Arial" panose="020B0604020202020204" pitchFamily="34" charset="0"/>
+              <a:buChar char="•"/>
+            </a:pPr>
+            <a:r>
+              <a:rPr lang="en-US" altLang="en-US" sz="1400" dirty="0"/>
+              <a:t>Generation: 37</a:t>
+            </a:r>
+          </a:p>
+          <a:p>
             <a:pPr marL="0" marR="0" lvl="0" indent="-228600" algn="l" fontAlgn="base">
               <a:spcBef>
                 <a:spcPct val="0"/>
@@ -4745,54 +4782,7 @@
             </a:pPr>
             <a:r>
               <a:rPr lang="en-US" altLang="en-US" sz="1800" dirty="0"/>
-              <a:t>- </a:t>
-            </a:r>
-            <a:r>
-              <a:rPr kumimoji="0" lang="en-US" altLang="en-US" sz="1800" b="0" i="0" u="none" strike="noStrike" cap="none" normalizeH="0" baseline="0" dirty="0">
-                <a:ln>
-                  <a:noFill/>
-                </a:ln>
-                <a:effectLst/>
-              </a:rPr>
-              <a:t>Time take: 4 hours</a:t>
-            </a:r>
-          </a:p>
-          <a:p>
-            <a:pPr marL="0" marR="0" lvl="0" indent="-228600" algn="l" fontAlgn="base">
-              <a:spcBef>
-                <a:spcPct val="0"/>
-              </a:spcBef>
-              <a:spcAft>
-                <a:spcPts val="600"/>
-              </a:spcAft>
-              <a:buClrTx/>
-              <a:buSzTx/>
-              <a:buFont typeface="Arial" panose="020B0604020202020204" pitchFamily="34" charset="0"/>
-              <a:buChar char="•"/>
-              <a:tabLst/>
-            </a:pPr>
-            <a:r>
-              <a:rPr lang="en-US" altLang="en-US" sz="1800" dirty="0"/>
-              <a:t>- Generation: 37</a:t>
-            </a:r>
-          </a:p>
-          <a:p>
-            <a:pPr marL="0" marR="0" lvl="0" indent="-228600" algn="l" fontAlgn="base">
-              <a:spcBef>
-                <a:spcPct val="0"/>
-              </a:spcBef>
-              <a:spcAft>
-                <a:spcPts val="600"/>
-              </a:spcAft>
-              <a:buClrTx/>
-              <a:buSzTx/>
-              <a:buFont typeface="Arial" panose="020B0604020202020204" pitchFamily="34" charset="0"/>
-              <a:buChar char="•"/>
-              <a:tabLst/>
-            </a:pPr>
-            <a:r>
-              <a:rPr lang="en-US" altLang="en-US" sz="1800" dirty="0"/>
-              <a:t>HOF </a:t>
+              <a:t>Pareto Frontier </a:t>
             </a:r>
             <a:r>
               <a:rPr kumimoji="0" lang="en-US" altLang="en-US" sz="1800" b="0" i="0" u="none" strike="noStrike" cap="none" normalizeH="0" baseline="0" dirty="0">
@@ -4879,14 +4869,36 @@
               <a:buChar char="•"/>
             </a:pPr>
             <a:r>
-              <a:rPr kumimoji="0" lang="en-US" altLang="en-US" sz="1800" b="0" i="0" u="none" strike="noStrike" cap="none" normalizeH="0" baseline="0" dirty="0">
+              <a:rPr lang="en-US" altLang="en-US" sz="1800" dirty="0"/>
+              <a:t>Pareto </a:t>
+            </a:r>
+            <a:r>
+              <a:rPr lang="en-US" altLang="en-US" sz="1800"/>
+              <a:t>Frontier</a:t>
+            </a:r>
+            <a:r>
+              <a:rPr kumimoji="0" lang="en-US" altLang="en-US" sz="1800" b="0" i="0" u="none" strike="noStrike" cap="none" normalizeH="0" baseline="0">
                 <a:ln>
                   <a:noFill/>
                 </a:ln>
                 <a:effectLst/>
               </a:rPr>
-              <a:t>HOF #</a:t>
-            </a:r>
+              <a:t> </a:t>
+            </a:r>
+            <a:r>
+              <a:rPr lang="en-US" altLang="en-US" sz="1800"/>
+              <a:t>member </a:t>
+            </a:r>
+            <a:r>
+              <a:rPr lang="en-US" altLang="en-US" sz="1800" dirty="0"/>
+              <a:t>#</a:t>
+            </a:r>
+            <a:endParaRPr kumimoji="0" lang="en-US" altLang="en-US" sz="1800" b="0" i="0" u="none" strike="noStrike" cap="none" normalizeH="0" baseline="0" dirty="0">
+              <a:ln>
+                <a:noFill/>
+              </a:ln>
+              <a:effectLst/>
+            </a:endParaRPr>
           </a:p>
           <a:p>
             <a:pPr lvl="1" indent="-228600" algn="l" fontAlgn="base">

--- a/results/Titanic EMADE GP Team 5 .pptx
+++ b/results/Titanic EMADE GP Team 5 .pptx
@@ -4021,7 +4021,7 @@
             </a:pPr>
             <a:r>
               <a:rPr lang="en-US" sz="1200" b="1" dirty="0"/>
-              <a:t>Dataset (modified)</a:t>
+              <a:t>   Dataset (modified)</a:t>
             </a:r>
           </a:p>
           <a:p>
@@ -4068,8 +4068,13 @@
             </a:pPr>
             <a:r>
               <a:rPr lang="en-US" sz="1200" b="1" dirty="0"/>
-              <a:t>Primitives: (default)</a:t>
-            </a:r>
+              <a:t>Primitives: </a:t>
+            </a:r>
+            <a:r>
+              <a:rPr lang="en-US" sz="1200" b="1"/>
+              <a:t>(default)</a:t>
+            </a:r>
+            <a:endParaRPr lang="en-US" sz="1200" b="1" dirty="0"/>
           </a:p>
           <a:p>
             <a:pPr marL="1257300" lvl="2" indent="-342900" algn="l">
@@ -4253,8 +4258,8 @@
               <a:buChar char="-"/>
             </a:pPr>
             <a:r>
-              <a:rPr lang="en-US" sz="1800" dirty="0"/>
-              <a:t>Work distribution:</a:t>
+              <a:rPr lang="en-US" sz="1600" dirty="0"/>
+              <a:t>Work distribution</a:t>
             </a:r>
           </a:p>
           <a:p>
@@ -4435,7 +4440,7 @@
               </a:spcAft>
             </a:pPr>
             <a:r>
-              <a:rPr lang="en-US" sz="3600" kern="1200">
+              <a:rPr lang="en-US" sz="3600" kern="1200" dirty="0">
                 <a:solidFill>
                   <a:schemeClr val="tx1"/>
                 </a:solidFill>
@@ -4544,7 +4549,7 @@
         </p:blipFill>
         <p:spPr>
           <a:xfrm>
-            <a:off x="429768" y="2243355"/>
+            <a:off x="280417" y="1379755"/>
             <a:ext cx="6702552" cy="3468570"/>
           </a:xfrm>
           <a:prstGeom prst="rect">
@@ -4669,7 +4674,7 @@
         </p:nvSpPr>
         <p:spPr bwMode="auto">
           <a:xfrm>
-            <a:off x="7938752" y="2020824"/>
+            <a:off x="7998018" y="2002526"/>
             <a:ext cx="3455097" cy="3959352"/>
           </a:xfrm>
           <a:prstGeom prst="rect">
@@ -4763,8 +4768,9 @@
             </a:pPr>
             <a:r>
               <a:rPr lang="en-US" altLang="en-US" sz="1400" dirty="0"/>
-              <a:t>Generation: 37</a:t>
-            </a:r>
+              <a:t>Generation: 37th</a:t>
+            </a:r>
+            <a:endParaRPr lang="en-US" altLang="en-US" sz="1200" dirty="0"/>
           </a:p>
           <a:p>
             <a:pPr marL="0" marR="0" lvl="0" indent="-228600" algn="l" fontAlgn="base">
@@ -4870,14 +4876,10 @@
             </a:pPr>
             <a:r>
               <a:rPr lang="en-US" altLang="en-US" sz="1800" dirty="0"/>
-              <a:t>Pareto </a:t>
-            </a:r>
-            <a:r>
-              <a:rPr lang="en-US" altLang="en-US" sz="1800"/>
-              <a:t>Frontier</a:t>
-            </a:r>
-            <a:r>
-              <a:rPr kumimoji="0" lang="en-US" altLang="en-US" sz="1800" b="0" i="0" u="none" strike="noStrike" cap="none" normalizeH="0" baseline="0">
+              <a:t>Pareto Frontier</a:t>
+            </a:r>
+            <a:r>
+              <a:rPr kumimoji="0" lang="en-US" altLang="en-US" sz="1800" b="0" i="0" u="none" strike="noStrike" cap="none" normalizeH="0" baseline="0" dirty="0">
                 <a:ln>
                   <a:noFill/>
                 </a:ln>
@@ -4886,12 +4888,8 @@
               <a:t> </a:t>
             </a:r>
             <a:r>
-              <a:rPr lang="en-US" altLang="en-US" sz="1800"/>
-              <a:t>member </a:t>
-            </a:r>
-            <a:r>
               <a:rPr lang="en-US" altLang="en-US" sz="1800" dirty="0"/>
-              <a:t>#</a:t>
+              <a:t>member #</a:t>
             </a:r>
             <a:endParaRPr kumimoji="0" lang="en-US" altLang="en-US" sz="1800" b="0" i="0" u="none" strike="noStrike" cap="none" normalizeH="0" baseline="0" dirty="0">
               <a:ln>
